--- a/image/IDINRI/NRI.pptx
+++ b/image/IDINRI/NRI.pptx
@@ -7,6 +7,7 @@
   <p:sldIdLst>
     <p:sldId id="256" r:id="rId2"/>
     <p:sldId id="258" r:id="rId3"/>
+    <p:sldId id="259" r:id="rId4"/>
   </p:sldIdLst>
   <p:sldSz cx="9144000" cy="9001125"/>
   <p:notesSz cx="6858000" cy="9144000"/>
@@ -289,7 +290,7 @@
           <a:p>
             <a:fld id="{530820CF-B880-4189-942D-D702A7CBA730}" type="datetimeFigureOut">
               <a:rPr lang="zh-CN" altLang="en-US" smtClean="0"/>
-              <a:t>2021/12/26</a:t>
+              <a:t>2022/6/11</a:t>
             </a:fld>
             <a:endParaRPr lang="zh-CN" altLang="en-US"/>
           </a:p>
@@ -454,7 +455,7 @@
           <a:p>
             <a:fld id="{530820CF-B880-4189-942D-D702A7CBA730}" type="datetimeFigureOut">
               <a:rPr lang="zh-CN" altLang="en-US" smtClean="0"/>
-              <a:t>2021/12/26</a:t>
+              <a:t>2022/6/11</a:t>
             </a:fld>
             <a:endParaRPr lang="zh-CN" altLang="en-US"/>
           </a:p>
@@ -629,7 +630,7 @@
           <a:p>
             <a:fld id="{530820CF-B880-4189-942D-D702A7CBA730}" type="datetimeFigureOut">
               <a:rPr lang="zh-CN" altLang="en-US" smtClean="0"/>
-              <a:t>2021/12/26</a:t>
+              <a:t>2022/6/11</a:t>
             </a:fld>
             <a:endParaRPr lang="zh-CN" altLang="en-US"/>
           </a:p>
@@ -794,7 +795,7 @@
           <a:p>
             <a:fld id="{530820CF-B880-4189-942D-D702A7CBA730}" type="datetimeFigureOut">
               <a:rPr lang="zh-CN" altLang="en-US" smtClean="0"/>
-              <a:t>2021/12/26</a:t>
+              <a:t>2022/6/11</a:t>
             </a:fld>
             <a:endParaRPr lang="zh-CN" altLang="en-US"/>
           </a:p>
@@ -1035,7 +1036,7 @@
           <a:p>
             <a:fld id="{530820CF-B880-4189-942D-D702A7CBA730}" type="datetimeFigureOut">
               <a:rPr lang="zh-CN" altLang="en-US" smtClean="0"/>
-              <a:t>2021/12/26</a:t>
+              <a:t>2022/6/11</a:t>
             </a:fld>
             <a:endParaRPr lang="zh-CN" altLang="en-US"/>
           </a:p>
@@ -1318,7 +1319,7 @@
           <a:p>
             <a:fld id="{530820CF-B880-4189-942D-D702A7CBA730}" type="datetimeFigureOut">
               <a:rPr lang="zh-CN" altLang="en-US" smtClean="0"/>
-              <a:t>2021/12/26</a:t>
+              <a:t>2022/6/11</a:t>
             </a:fld>
             <a:endParaRPr lang="zh-CN" altLang="en-US"/>
           </a:p>
@@ -1735,7 +1736,7 @@
           <a:p>
             <a:fld id="{530820CF-B880-4189-942D-D702A7CBA730}" type="datetimeFigureOut">
               <a:rPr lang="zh-CN" altLang="en-US" smtClean="0"/>
-              <a:t>2021/12/26</a:t>
+              <a:t>2022/6/11</a:t>
             </a:fld>
             <a:endParaRPr lang="zh-CN" altLang="en-US"/>
           </a:p>
@@ -1848,7 +1849,7 @@
           <a:p>
             <a:fld id="{530820CF-B880-4189-942D-D702A7CBA730}" type="datetimeFigureOut">
               <a:rPr lang="zh-CN" altLang="en-US" smtClean="0"/>
-              <a:t>2021/12/26</a:t>
+              <a:t>2022/6/11</a:t>
             </a:fld>
             <a:endParaRPr lang="zh-CN" altLang="en-US"/>
           </a:p>
@@ -1938,7 +1939,7 @@
           <a:p>
             <a:fld id="{530820CF-B880-4189-942D-D702A7CBA730}" type="datetimeFigureOut">
               <a:rPr lang="zh-CN" altLang="en-US" smtClean="0"/>
-              <a:t>2021/12/26</a:t>
+              <a:t>2022/6/11</a:t>
             </a:fld>
             <a:endParaRPr lang="zh-CN" altLang="en-US"/>
           </a:p>
@@ -2210,7 +2211,7 @@
           <a:p>
             <a:fld id="{530820CF-B880-4189-942D-D702A7CBA730}" type="datetimeFigureOut">
               <a:rPr lang="zh-CN" altLang="en-US" smtClean="0"/>
-              <a:t>2021/12/26</a:t>
+              <a:t>2022/6/11</a:t>
             </a:fld>
             <a:endParaRPr lang="zh-CN" altLang="en-US"/>
           </a:p>
@@ -2458,7 +2459,7 @@
           <a:p>
             <a:fld id="{530820CF-B880-4189-942D-D702A7CBA730}" type="datetimeFigureOut">
               <a:rPr lang="zh-CN" altLang="en-US" smtClean="0"/>
-              <a:t>2021/12/26</a:t>
+              <a:t>2022/6/11</a:t>
             </a:fld>
             <a:endParaRPr lang="zh-CN" altLang="en-US"/>
           </a:p>
@@ -2666,7 +2667,7 @@
           <a:p>
             <a:fld id="{530820CF-B880-4189-942D-D702A7CBA730}" type="datetimeFigureOut">
               <a:rPr lang="zh-CN" altLang="en-US" smtClean="0"/>
-              <a:t>2021/12/26</a:t>
+              <a:t>2022/6/11</a:t>
             </a:fld>
             <a:endParaRPr lang="zh-CN" altLang="en-US"/>
           </a:p>
@@ -3038,7 +3039,7 @@
       </p:grpSpPr>
       <p:pic>
         <p:nvPicPr>
-          <p:cNvPr id="2" name="图片 1"/>
+          <p:cNvPr id="3" name="图片 2"/>
           <p:cNvPicPr>
             <a:picLocks noChangeAspect="1"/>
           </p:cNvPicPr>
@@ -3058,8 +3059,8 @@
         </p:blipFill>
         <p:spPr>
           <a:xfrm>
-            <a:off x="4572000" y="1904510"/>
-            <a:ext cx="3206915" cy="6470983"/>
+            <a:off x="4683578" y="2000566"/>
+            <a:ext cx="2768742" cy="6388428"/>
           </a:xfrm>
           <a:prstGeom prst="rect">
             <a:avLst/>
@@ -3436,11 +3437,6 @@
               </a:rPr>
               <a:t>分段</a:t>
             </a:r>
-            <a:endParaRPr lang="zh-CN" altLang="en-US" sz="1200" dirty="0">
-              <a:solidFill>
-                <a:srgbClr val="FF0000"/>
-              </a:solidFill>
-            </a:endParaRPr>
           </a:p>
         </p:txBody>
       </p:sp>
@@ -3452,15 +3448,15 @@
         </p:nvSpPr>
         <p:spPr>
           <a:xfrm>
-            <a:off x="3558352" y="5499673"/>
+            <a:off x="3558352" y="5436666"/>
             <a:ext cx="970648" cy="465801"/>
           </a:xfrm>
           <a:prstGeom prst="borderCallout1">
             <a:avLst>
               <a:gd name="adj1" fmla="val 44544"/>
               <a:gd name="adj2" fmla="val 98811"/>
-              <a:gd name="adj3" fmla="val 36599"/>
-              <a:gd name="adj4" fmla="val 140662"/>
+              <a:gd name="adj3" fmla="val 47505"/>
+              <a:gd name="adj4" fmla="val 137391"/>
             </a:avLst>
           </a:prstGeom>
           <a:noFill/>
@@ -3568,15 +3564,7 @@
                   <a:srgbClr val="FF0000"/>
                 </a:solidFill>
               </a:rPr>
-              <a:t>型自变量列</a:t>
-            </a:r>
-            <a:r>
-              <a:rPr lang="zh-CN" altLang="en-US" sz="1200" dirty="0" smtClean="0">
-                <a:solidFill>
-                  <a:srgbClr val="FF0000"/>
-                </a:solidFill>
-              </a:rPr>
-              <a:t>数</a:t>
+              <a:t>型自变量列数</a:t>
             </a:r>
             <a:endParaRPr lang="zh-CN" altLang="en-US" sz="1200" dirty="0">
               <a:solidFill>
@@ -3594,15 +3582,15 @@
         </p:nvSpPr>
         <p:spPr>
           <a:xfrm>
-            <a:off x="3544640" y="5004618"/>
+            <a:off x="3544640" y="4932610"/>
             <a:ext cx="971678" cy="432048"/>
           </a:xfrm>
           <a:prstGeom prst="borderCallout1">
             <a:avLst>
               <a:gd name="adj1" fmla="val 44544"/>
               <a:gd name="adj2" fmla="val 98811"/>
-              <a:gd name="adj3" fmla="val 45163"/>
-              <a:gd name="adj4" fmla="val 138685"/>
+              <a:gd name="adj3" fmla="val 76028"/>
+              <a:gd name="adj4" fmla="val 137378"/>
             </a:avLst>
           </a:prstGeom>
           <a:noFill/>
@@ -3639,15 +3627,7 @@
                   <a:srgbClr val="FF0000"/>
                 </a:solidFill>
               </a:rPr>
-              <a:t>分类型自变量列</a:t>
-            </a:r>
-            <a:r>
-              <a:rPr lang="zh-CN" altLang="en-US" sz="1200" dirty="0" smtClean="0">
-                <a:solidFill>
-                  <a:srgbClr val="FF0000"/>
-                </a:solidFill>
-              </a:rPr>
-              <a:t>数</a:t>
+              <a:t>分类型自变量列数</a:t>
             </a:r>
             <a:endParaRPr lang="zh-CN" altLang="en-US" sz="1200" dirty="0">
               <a:solidFill>
@@ -3718,15 +3698,7 @@
                   <a:srgbClr val="FF0000"/>
                 </a:solidFill>
               </a:rPr>
-              <a:t>型自变量列</a:t>
-            </a:r>
-            <a:r>
-              <a:rPr lang="zh-CN" altLang="en-US" sz="1200" dirty="0" smtClean="0">
-                <a:solidFill>
-                  <a:srgbClr val="FF0000"/>
-                </a:solidFill>
-              </a:rPr>
-              <a:t>数</a:t>
+              <a:t>型自变量列数</a:t>
             </a:r>
             <a:endParaRPr lang="zh-CN" altLang="en-US" sz="1200" dirty="0">
               <a:solidFill>
@@ -3789,15 +3761,7 @@
                   <a:srgbClr val="FF0000"/>
                 </a:solidFill>
               </a:rPr>
-              <a:t>分类型自变量列</a:t>
-            </a:r>
-            <a:r>
-              <a:rPr lang="zh-CN" altLang="en-US" sz="1200" dirty="0" smtClean="0">
-                <a:solidFill>
-                  <a:srgbClr val="FF0000"/>
-                </a:solidFill>
-              </a:rPr>
-              <a:t>数</a:t>
+              <a:t>分类型自变量列数</a:t>
             </a:r>
             <a:endParaRPr lang="zh-CN" altLang="en-US" sz="1200" dirty="0">
               <a:solidFill>
@@ -4345,15 +4309,7 @@
                   <a:srgbClr val="FF0000"/>
                 </a:solidFill>
               </a:rPr>
-              <a:t>型自变量列</a:t>
-            </a:r>
-            <a:r>
-              <a:rPr lang="zh-CN" altLang="en-US" sz="1200" dirty="0" smtClean="0">
-                <a:solidFill>
-                  <a:srgbClr val="FF0000"/>
-                </a:solidFill>
-              </a:rPr>
-              <a:t>数</a:t>
+              <a:t>型自变量列数</a:t>
             </a:r>
             <a:endParaRPr lang="zh-CN" altLang="en-US" sz="1200" dirty="0">
               <a:solidFill>
@@ -4416,15 +4372,7 @@
                   <a:srgbClr val="FF0000"/>
                 </a:solidFill>
               </a:rPr>
-              <a:t>分类型自变量列</a:t>
-            </a:r>
-            <a:r>
-              <a:rPr lang="zh-CN" altLang="en-US" sz="1200" dirty="0" smtClean="0">
-                <a:solidFill>
-                  <a:srgbClr val="FF0000"/>
-                </a:solidFill>
-              </a:rPr>
-              <a:t>数</a:t>
+              <a:t>分类型自变量列数</a:t>
             </a:r>
             <a:endParaRPr lang="zh-CN" altLang="en-US" sz="1200" dirty="0">
               <a:solidFill>
@@ -4495,15 +4443,7 @@
                   <a:srgbClr val="FF0000"/>
                 </a:solidFill>
               </a:rPr>
-              <a:t>型自变量列</a:t>
-            </a:r>
-            <a:r>
-              <a:rPr lang="zh-CN" altLang="en-US" sz="1200" dirty="0" smtClean="0">
-                <a:solidFill>
-                  <a:srgbClr val="FF0000"/>
-                </a:solidFill>
-              </a:rPr>
-              <a:t>数</a:t>
+              <a:t>型自变量列数</a:t>
             </a:r>
             <a:endParaRPr lang="zh-CN" altLang="en-US" sz="1200" dirty="0">
               <a:solidFill>
@@ -4566,15 +4506,7 @@
                   <a:srgbClr val="FF0000"/>
                 </a:solidFill>
               </a:rPr>
-              <a:t>分类型自变量列</a:t>
-            </a:r>
-            <a:r>
-              <a:rPr lang="zh-CN" altLang="en-US" sz="1200" dirty="0" smtClean="0">
-                <a:solidFill>
-                  <a:srgbClr val="FF0000"/>
-                </a:solidFill>
-              </a:rPr>
-              <a:t>数</a:t>
+              <a:t>分类型自变量列数</a:t>
             </a:r>
             <a:endParaRPr lang="zh-CN" altLang="en-US" sz="1200" dirty="0">
               <a:solidFill>
@@ -4715,6 +4647,129 @@
     <p:extLst>
       <p:ext uri="{BB962C8B-B14F-4D97-AF65-F5344CB8AC3E}">
         <p14:creationId xmlns:p14="http://schemas.microsoft.com/office/powerpoint/2010/main" val="2267024654"/>
+      </p:ext>
+    </p:extLst>
+  </p:cSld>
+  <p:clrMapOvr>
+    <a:masterClrMapping/>
+  </p:clrMapOvr>
+</p:sld>
+</file>
+
+<file path=ppt/slides/slide3.xml><?xml version="1.0" encoding="utf-8"?>
+<p:sld xmlns:a="http://schemas.openxmlformats.org/drawingml/2006/main" xmlns:r="http://schemas.openxmlformats.org/officeDocument/2006/relationships" xmlns:p="http://schemas.openxmlformats.org/presentationml/2006/main">
+  <p:cSld>
+    <p:spTree>
+      <p:nvGrpSpPr>
+        <p:cNvPr id="1" name=""/>
+        <p:cNvGrpSpPr/>
+        <p:nvPr/>
+      </p:nvGrpSpPr>
+      <p:grpSpPr>
+        <a:xfrm>
+          <a:off x="0" y="0"/>
+          <a:ext cx="0" cy="0"/>
+          <a:chOff x="0" y="0"/>
+          <a:chExt cx="0" cy="0"/>
+        </a:xfrm>
+      </p:grpSpPr>
+      <p:pic>
+        <p:nvPicPr>
+          <p:cNvPr id="4" name="图片 3"/>
+          <p:cNvPicPr>
+            <a:picLocks noChangeAspect="1"/>
+          </p:cNvPicPr>
+          <p:nvPr/>
+        </p:nvPicPr>
+        <p:blipFill>
+          <a:blip r:embed="rId2">
+            <a:extLst>
+              <a:ext uri="{28A0092B-C50C-407E-A947-70E740481C1C}">
+                <a14:useLocalDpi xmlns:a14="http://schemas.microsoft.com/office/drawing/2010/main" val="0"/>
+              </a:ext>
+            </a:extLst>
+          </a:blip>
+          <a:stretch>
+            <a:fillRect/>
+          </a:stretch>
+        </p:blipFill>
+        <p:spPr>
+          <a:xfrm>
+            <a:off x="1979712" y="828154"/>
+            <a:ext cx="5131064" cy="6070912"/>
+          </a:xfrm>
+          <a:prstGeom prst="rect">
+            <a:avLst/>
+          </a:prstGeom>
+        </p:spPr>
+      </p:pic>
+      <p:sp>
+        <p:nvSpPr>
+          <p:cNvPr id="5" name="线形标注 1 4"/>
+          <p:cNvSpPr/>
+          <p:nvPr/>
+        </p:nvSpPr>
+        <p:spPr>
+          <a:xfrm>
+            <a:off x="1043608" y="6228754"/>
+            <a:ext cx="722168" cy="360040"/>
+          </a:xfrm>
+          <a:prstGeom prst="borderCallout1">
+            <a:avLst>
+              <a:gd name="adj1" fmla="val 44544"/>
+              <a:gd name="adj2" fmla="val 98811"/>
+              <a:gd name="adj3" fmla="val 46632"/>
+              <a:gd name="adj4" fmla="val 149915"/>
+            </a:avLst>
+          </a:prstGeom>
+          <a:noFill/>
+          <a:ln>
+            <a:solidFill>
+              <a:srgbClr val="FF0000"/>
+            </a:solidFill>
+          </a:ln>
+        </p:spPr>
+        <p:style>
+          <a:lnRef idx="2">
+            <a:schemeClr val="accent1">
+              <a:shade val="50000"/>
+            </a:schemeClr>
+          </a:lnRef>
+          <a:fillRef idx="1">
+            <a:schemeClr val="accent1"/>
+          </a:fillRef>
+          <a:effectRef idx="0">
+            <a:schemeClr val="accent1"/>
+          </a:effectRef>
+          <a:fontRef idx="minor">
+            <a:schemeClr val="lt1"/>
+          </a:fontRef>
+        </p:style>
+        <p:txBody>
+          <a:bodyPr rtlCol="0" anchor="ctr"/>
+          <a:lstStyle/>
+          <a:p>
+            <a:pPr algn="ctr"/>
+            <a:r>
+              <a:rPr lang="zh-CN" altLang="en-US" sz="1600" b="1" dirty="0" smtClean="0">
+                <a:solidFill>
+                  <a:srgbClr val="FF0000"/>
+                </a:solidFill>
+              </a:rPr>
+              <a:t>常用</a:t>
+            </a:r>
+            <a:endParaRPr lang="zh-CN" altLang="en-US" sz="1600" b="1" dirty="0">
+              <a:solidFill>
+                <a:srgbClr val="FF0000"/>
+              </a:solidFill>
+            </a:endParaRPr>
+          </a:p>
+        </p:txBody>
+      </p:sp>
+    </p:spTree>
+    <p:extLst>
+      <p:ext uri="{BB962C8B-B14F-4D97-AF65-F5344CB8AC3E}">
+        <p14:creationId xmlns:p14="http://schemas.microsoft.com/office/powerpoint/2010/main" val="240482053"/>
       </p:ext>
     </p:extLst>
   </p:cSld>
